--- a/Defense/DefenseLafuente-bonus.pptx
+++ b/Defense/DefenseLafuente-bonus.pptx
@@ -201,7 +201,7 @@
           <a:p>
             <a:fld id="{1C06C3CA-4829-4764-92D1-E669F4AAEF22}" type="datetimeFigureOut">
               <a:rPr lang="fr-FR" smtClean="0"/>
-              <a:t>12/01/2018</a:t>
+              <a:t>22/01/2018</a:t>
             </a:fld>
             <a:endParaRPr lang="fr-FR"/>
           </a:p>
@@ -892,7 +892,7 @@
           <a:p>
             <a:fld id="{15341E18-922A-4229-90A8-05C5F1A6CE4D}" type="datetimeFigureOut">
               <a:rPr lang="fr-FR" smtClean="0"/>
-              <a:t>12/01/2018</a:t>
+              <a:t>22/01/2018</a:t>
             </a:fld>
             <a:endParaRPr lang="fr-FR"/>
           </a:p>
@@ -1062,7 +1062,7 @@
           <a:p>
             <a:fld id="{15341E18-922A-4229-90A8-05C5F1A6CE4D}" type="datetimeFigureOut">
               <a:rPr lang="fr-FR" smtClean="0"/>
-              <a:t>12/01/2018</a:t>
+              <a:t>22/01/2018</a:t>
             </a:fld>
             <a:endParaRPr lang="fr-FR"/>
           </a:p>
@@ -1242,7 +1242,7 @@
           <a:p>
             <a:fld id="{15341E18-922A-4229-90A8-05C5F1A6CE4D}" type="datetimeFigureOut">
               <a:rPr lang="fr-FR" smtClean="0"/>
-              <a:t>12/01/2018</a:t>
+              <a:t>22/01/2018</a:t>
             </a:fld>
             <a:endParaRPr lang="fr-FR"/>
           </a:p>
@@ -1412,7 +1412,7 @@
           <a:p>
             <a:fld id="{15341E18-922A-4229-90A8-05C5F1A6CE4D}" type="datetimeFigureOut">
               <a:rPr lang="fr-FR" smtClean="0"/>
-              <a:t>12/01/2018</a:t>
+              <a:t>22/01/2018</a:t>
             </a:fld>
             <a:endParaRPr lang="fr-FR"/>
           </a:p>
@@ -1658,7 +1658,7 @@
           <a:p>
             <a:fld id="{15341E18-922A-4229-90A8-05C5F1A6CE4D}" type="datetimeFigureOut">
               <a:rPr lang="fr-FR" smtClean="0"/>
-              <a:t>12/01/2018</a:t>
+              <a:t>22/01/2018</a:t>
             </a:fld>
             <a:endParaRPr lang="fr-FR"/>
           </a:p>
@@ -1946,7 +1946,7 @@
           <a:p>
             <a:fld id="{15341E18-922A-4229-90A8-05C5F1A6CE4D}" type="datetimeFigureOut">
               <a:rPr lang="fr-FR" smtClean="0"/>
-              <a:t>12/01/2018</a:t>
+              <a:t>22/01/2018</a:t>
             </a:fld>
             <a:endParaRPr lang="fr-FR"/>
           </a:p>
@@ -2368,7 +2368,7 @@
           <a:p>
             <a:fld id="{15341E18-922A-4229-90A8-05C5F1A6CE4D}" type="datetimeFigureOut">
               <a:rPr lang="fr-FR" smtClean="0"/>
-              <a:t>12/01/2018</a:t>
+              <a:t>22/01/2018</a:t>
             </a:fld>
             <a:endParaRPr lang="fr-FR"/>
           </a:p>
@@ -2486,7 +2486,7 @@
           <a:p>
             <a:fld id="{15341E18-922A-4229-90A8-05C5F1A6CE4D}" type="datetimeFigureOut">
               <a:rPr lang="fr-FR" smtClean="0"/>
-              <a:t>12/01/2018</a:t>
+              <a:t>22/01/2018</a:t>
             </a:fld>
             <a:endParaRPr lang="fr-FR"/>
           </a:p>
@@ -2581,7 +2581,7 @@
           <a:p>
             <a:fld id="{15341E18-922A-4229-90A8-05C5F1A6CE4D}" type="datetimeFigureOut">
               <a:rPr lang="fr-FR" smtClean="0"/>
-              <a:t>12/01/2018</a:t>
+              <a:t>22/01/2018</a:t>
             </a:fld>
             <a:endParaRPr lang="fr-FR"/>
           </a:p>
@@ -2858,7 +2858,7 @@
           <a:p>
             <a:fld id="{15341E18-922A-4229-90A8-05C5F1A6CE4D}" type="datetimeFigureOut">
               <a:rPr lang="fr-FR" smtClean="0"/>
-              <a:t>12/01/2018</a:t>
+              <a:t>22/01/2018</a:t>
             </a:fld>
             <a:endParaRPr lang="fr-FR"/>
           </a:p>
@@ -3111,7 +3111,7 @@
           <a:p>
             <a:fld id="{15341E18-922A-4229-90A8-05C5F1A6CE4D}" type="datetimeFigureOut">
               <a:rPr lang="fr-FR" smtClean="0"/>
-              <a:t>12/01/2018</a:t>
+              <a:t>22/01/2018</a:t>
             </a:fld>
             <a:endParaRPr lang="fr-FR"/>
           </a:p>
@@ -3324,7 +3324,7 @@
           <a:p>
             <a:fld id="{15341E18-922A-4229-90A8-05C5F1A6CE4D}" type="datetimeFigureOut">
               <a:rPr lang="fr-FR" smtClean="0"/>
-              <a:t>12/01/2018</a:t>
+              <a:t>22/01/2018</a:t>
             </a:fld>
             <a:endParaRPr lang="fr-FR"/>
           </a:p>
@@ -5179,9 +5179,7 @@
             <a:r>
               <a:rPr lang="en-US" sz="1600" dirty="0" smtClean="0">
                 <a:solidFill>
-                  <a:schemeClr val="accent2">
-                    <a:lumMod val="75000"/>
-                  </a:schemeClr>
+                  <a:srgbClr val="002060"/>
                 </a:solidFill>
                 <a:latin typeface="Webdings" pitchFamily="18" charset="2"/>
                 <a:sym typeface="Symbol" pitchFamily="18" charset="2"/>
@@ -5252,18 +5250,10 @@
             <a:spLocks noGrp="1"/>
           </p:cNvSpPr>
           <p:nvPr>
-            <p:ph type="sldNum" sz="quarter" idx="4294967295"/>
+            <p:ph type="sldNum" sz="quarter" idx="12"/>
           </p:nvPr>
         </p:nvSpPr>
-        <p:spPr>
-          <a:xfrm>
-            <a:off x="6876256" y="116632"/>
-            <a:ext cx="2133600" cy="476250"/>
-          </a:xfrm>
-          <a:prstGeom prst="rect">
-            <a:avLst/>
-          </a:prstGeom>
-        </p:spPr>
+        <p:spPr/>
         <p:txBody>
           <a:bodyPr/>
           <a:lstStyle/>
@@ -6573,9 +6563,7 @@
             <a:r>
               <a:rPr lang="en-US" sz="1600" dirty="0">
                 <a:solidFill>
-                  <a:schemeClr val="accent2">
-                    <a:lumMod val="75000"/>
-                  </a:schemeClr>
+                  <a:srgbClr val="002060"/>
                 </a:solidFill>
                 <a:latin typeface="Webdings" pitchFamily="18" charset="2"/>
                 <a:sym typeface="Symbol" pitchFamily="18" charset="2"/>
@@ -7616,9 +7604,7 @@
             <a:r>
               <a:rPr lang="en-US" sz="1600" dirty="0">
                 <a:solidFill>
-                  <a:schemeClr val="accent2">
-                    <a:lumMod val="75000"/>
-                  </a:schemeClr>
+                  <a:srgbClr val="002060"/>
                 </a:solidFill>
                 <a:latin typeface="Webdings" pitchFamily="18" charset="2"/>
                 <a:sym typeface="Symbol" pitchFamily="18" charset="2"/>
@@ -7947,9 +7933,7 @@
             <a:r>
               <a:rPr lang="en-US" sz="1600" dirty="0" smtClean="0">
                 <a:solidFill>
-                  <a:schemeClr val="accent2">
-                    <a:lumMod val="75000"/>
-                  </a:schemeClr>
+                  <a:srgbClr val="002060"/>
                 </a:solidFill>
                 <a:latin typeface="Webdings" pitchFamily="18" charset="2"/>
                 <a:sym typeface="Symbol" pitchFamily="18" charset="2"/>
@@ -8052,9 +8036,7 @@
             <a:r>
               <a:rPr lang="en-US" sz="1600" dirty="0">
                 <a:solidFill>
-                  <a:schemeClr val="accent2">
-                    <a:lumMod val="75000"/>
-                  </a:schemeClr>
+                  <a:srgbClr val="002060"/>
                 </a:solidFill>
                 <a:latin typeface="Webdings" pitchFamily="18" charset="2"/>
                 <a:sym typeface="Symbol" pitchFamily="18" charset="2"/>
@@ -8217,9 +8199,7 @@
             <a:r>
               <a:rPr lang="en-US" sz="1600" dirty="0" smtClean="0">
                 <a:solidFill>
-                  <a:schemeClr val="accent2">
-                    <a:lumMod val="75000"/>
-                  </a:schemeClr>
+                  <a:srgbClr val="002060"/>
                 </a:solidFill>
                 <a:latin typeface="Webdings" pitchFamily="18" charset="2"/>
                 <a:sym typeface="Symbol" pitchFamily="18" charset="2"/>
@@ -9125,18 +9105,10 @@
             <a:spLocks noGrp="1"/>
           </p:cNvSpPr>
           <p:nvPr>
-            <p:ph type="sldNum" sz="quarter" idx="4294967295"/>
+            <p:ph type="sldNum" sz="quarter" idx="12"/>
           </p:nvPr>
         </p:nvSpPr>
-        <p:spPr>
-          <a:xfrm>
-            <a:off x="6876256" y="116632"/>
-            <a:ext cx="2133600" cy="476250"/>
-          </a:xfrm>
-          <a:prstGeom prst="rect">
-            <a:avLst/>
-          </a:prstGeom>
-        </p:spPr>
+        <p:spPr/>
         <p:txBody>
           <a:bodyPr/>
           <a:lstStyle/>
@@ -10133,7 +10105,7 @@
               <a:r>
                 <a:rPr lang="en-US" sz="1600" b="1" dirty="0" smtClean="0">
                   <a:solidFill>
-                    <a:schemeClr val="accent2"/>
+                    <a:srgbClr val="002060"/>
                   </a:solidFill>
                   <a:latin typeface="Times New Roman" panose="02020603050405020304" pitchFamily="18" charset="0"/>
                   <a:cs typeface="Times New Roman" panose="02020603050405020304" pitchFamily="18" charset="0"/>
@@ -10143,7 +10115,7 @@
               <a:r>
                 <a:rPr lang="en-US" sz="1600" b="1" baseline="-25000" dirty="0" smtClean="0">
                   <a:solidFill>
-                    <a:schemeClr val="accent2"/>
+                    <a:srgbClr val="002060"/>
                   </a:solidFill>
                   <a:latin typeface="Times New Roman" panose="02020603050405020304" pitchFamily="18" charset="0"/>
                   <a:cs typeface="Times New Roman" panose="02020603050405020304" pitchFamily="18" charset="0"/>
@@ -10153,7 +10125,7 @@
               <a:r>
                 <a:rPr lang="en-US" sz="1600" b="1" dirty="0" smtClean="0">
                   <a:solidFill>
-                    <a:schemeClr val="accent2"/>
+                    <a:srgbClr val="002060"/>
                   </a:solidFill>
                   <a:latin typeface="Times New Roman" panose="02020603050405020304" pitchFamily="18" charset="0"/>
                   <a:cs typeface="Times New Roman" panose="02020603050405020304" pitchFamily="18" charset="0"/>
@@ -10163,7 +10135,7 @@
               <a:r>
                 <a:rPr lang="en-US" sz="1600" dirty="0" smtClean="0">
                   <a:solidFill>
-                    <a:schemeClr val="accent2"/>
+                    <a:srgbClr val="002060"/>
                   </a:solidFill>
                   <a:latin typeface="Times New Roman" panose="02020603050405020304" pitchFamily="18" charset="0"/>
                   <a:cs typeface="Times New Roman" panose="02020603050405020304" pitchFamily="18" charset="0"/>
@@ -11792,18 +11764,10 @@
             <a:spLocks noGrp="1"/>
           </p:cNvSpPr>
           <p:nvPr>
-            <p:ph type="sldNum" sz="quarter" idx="4294967295"/>
+            <p:ph type="sldNum" sz="quarter" idx="12"/>
           </p:nvPr>
         </p:nvSpPr>
-        <p:spPr>
-          <a:xfrm>
-            <a:off x="6876256" y="116632"/>
-            <a:ext cx="2133600" cy="476250"/>
-          </a:xfrm>
-          <a:prstGeom prst="rect">
-            <a:avLst/>
-          </a:prstGeom>
-        </p:spPr>
+        <p:spPr/>
         <p:txBody>
           <a:bodyPr/>
           <a:lstStyle/>
@@ -12009,7 +11973,7 @@
           <a:graphicData uri="http://schemas.openxmlformats.org/presentationml/2006/ole">
             <mc:AlternateContent xmlns:mc="http://schemas.openxmlformats.org/markup-compatibility/2006">
               <mc:Choice xmlns:v="urn:schemas-microsoft-com:vml" Requires="v">
-                <p:oleObj spid="_x0000_s1026" name="Équation" r:id="rId5" imgW="393480" imgH="253800" progId="Equation.3">
+                <p:oleObj spid="_x0000_s1038" name="Équation" r:id="rId5" imgW="393480" imgH="253800" progId="Equation.3">
                   <p:embed/>
                 </p:oleObj>
               </mc:Choice>
@@ -12098,7 +12062,7 @@
           <a:graphicData uri="http://schemas.openxmlformats.org/presentationml/2006/ole">
             <mc:AlternateContent xmlns:mc="http://schemas.openxmlformats.org/markup-compatibility/2006">
               <mc:Choice xmlns:v="urn:schemas-microsoft-com:vml" Requires="v">
-                <p:oleObj spid="_x0000_s1027" name="Équation" r:id="rId7" imgW="406080" imgH="253800" progId="Equation.3">
+                <p:oleObj spid="_x0000_s1039" name="Équation" r:id="rId7" imgW="406080" imgH="253800" progId="Equation.3">
                   <p:embed/>
                 </p:oleObj>
               </mc:Choice>
@@ -12181,7 +12145,7 @@
           <a:graphicData uri="http://schemas.openxmlformats.org/presentationml/2006/ole">
             <mc:AlternateContent xmlns:mc="http://schemas.openxmlformats.org/markup-compatibility/2006">
               <mc:Choice xmlns:v="urn:schemas-microsoft-com:vml" Requires="v">
-                <p:oleObj spid="_x0000_s1028" name="Équation" r:id="rId9" imgW="406080" imgH="253800" progId="Equation.3">
+                <p:oleObj spid="_x0000_s1040" name="Équation" r:id="rId9" imgW="406080" imgH="253800" progId="Equation.3">
                   <p:embed/>
                 </p:oleObj>
               </mc:Choice>
@@ -13291,7 +13255,7 @@
           <a:graphicData uri="http://schemas.openxmlformats.org/presentationml/2006/ole">
             <mc:AlternateContent xmlns:mc="http://schemas.openxmlformats.org/markup-compatibility/2006">
               <mc:Choice xmlns:v="urn:schemas-microsoft-com:vml" Requires="v">
-                <p:oleObj spid="_x0000_s1029" name="Équation" r:id="rId12" imgW="393480" imgH="253800" progId="Equation.3">
+                <p:oleObj spid="_x0000_s1041" name="Équation" r:id="rId12" imgW="393480" imgH="253800" progId="Equation.3">
                   <p:embed/>
                 </p:oleObj>
               </mc:Choice>
@@ -13374,7 +13338,7 @@
           <a:graphicData uri="http://schemas.openxmlformats.org/presentationml/2006/ole">
             <mc:AlternateContent xmlns:mc="http://schemas.openxmlformats.org/markup-compatibility/2006">
               <mc:Choice xmlns:v="urn:schemas-microsoft-com:vml" Requires="v">
-                <p:oleObj spid="_x0000_s1030" name="Équation" r:id="rId14" imgW="406080" imgH="253800" progId="Equation.3">
+                <p:oleObj spid="_x0000_s1042" name="Équation" r:id="rId14" imgW="406080" imgH="253800" progId="Equation.3">
                   <p:embed/>
                 </p:oleObj>
               </mc:Choice>
@@ -13457,7 +13421,7 @@
           <a:graphicData uri="http://schemas.openxmlformats.org/presentationml/2006/ole">
             <mc:AlternateContent xmlns:mc="http://schemas.openxmlformats.org/markup-compatibility/2006">
               <mc:Choice xmlns:v="urn:schemas-microsoft-com:vml" Requires="v">
-                <p:oleObj spid="_x0000_s1031" name="Équation" r:id="rId16" imgW="406080" imgH="253800" progId="Equation.3">
+                <p:oleObj spid="_x0000_s1043" name="Équation" r:id="rId16" imgW="406080" imgH="253800" progId="Equation.3">
                   <p:embed/>
                 </p:oleObj>
               </mc:Choice>
@@ -13733,9 +13697,7 @@
             <a:r>
               <a:rPr lang="en-US" dirty="0">
                 <a:solidFill>
-                  <a:schemeClr val="accent2">
-                    <a:lumMod val="75000"/>
-                  </a:schemeClr>
+                  <a:srgbClr val="002060"/>
                 </a:solidFill>
                 <a:latin typeface="Webdings" pitchFamily="18" charset="2"/>
                 <a:sym typeface="Symbol" pitchFamily="18" charset="2"/>
@@ -14006,18 +13968,10 @@
             <a:spLocks noGrp="1"/>
           </p:cNvSpPr>
           <p:nvPr>
-            <p:ph type="sldNum" sz="quarter" idx="4294967295"/>
+            <p:ph type="sldNum" sz="quarter" idx="12"/>
           </p:nvPr>
         </p:nvSpPr>
-        <p:spPr>
-          <a:xfrm>
-            <a:off x="6876256" y="116632"/>
-            <a:ext cx="2133600" cy="476250"/>
-          </a:xfrm>
-          <a:prstGeom prst="rect">
-            <a:avLst/>
-          </a:prstGeom>
-        </p:spPr>
+        <p:spPr/>
         <p:txBody>
           <a:bodyPr/>
           <a:lstStyle/>
@@ -14461,9 +14415,7 @@
             <a:r>
               <a:rPr lang="en-US" sz="1600" dirty="0" smtClean="0">
                 <a:solidFill>
-                  <a:schemeClr val="accent2">
-                    <a:lumMod val="75000"/>
-                  </a:schemeClr>
+                  <a:srgbClr val="002060"/>
                 </a:solidFill>
                 <a:latin typeface="Webdings" pitchFamily="18" charset="2"/>
                 <a:sym typeface="Symbol" pitchFamily="18" charset="2"/>
@@ -18376,18 +18328,10 @@
             <a:spLocks noGrp="1"/>
           </p:cNvSpPr>
           <p:nvPr>
-            <p:ph type="sldNum" sz="quarter" idx="4294967295"/>
+            <p:ph type="sldNum" sz="quarter" idx="12"/>
           </p:nvPr>
         </p:nvSpPr>
-        <p:spPr>
-          <a:xfrm>
-            <a:off x="6876256" y="116632"/>
-            <a:ext cx="2133600" cy="476250"/>
-          </a:xfrm>
-          <a:prstGeom prst="rect">
-            <a:avLst/>
-          </a:prstGeom>
-        </p:spPr>
+        <p:spPr/>
         <p:txBody>
           <a:bodyPr/>
           <a:lstStyle/>
@@ -21112,9 +21056,7 @@
             <a:r>
               <a:rPr lang="en-US" sz="1600" dirty="0">
                 <a:solidFill>
-                  <a:schemeClr val="accent2">
-                    <a:lumMod val="75000"/>
-                  </a:schemeClr>
+                  <a:srgbClr val="002060"/>
                 </a:solidFill>
                 <a:latin typeface="Webdings" pitchFamily="18" charset="2"/>
                 <a:sym typeface="Symbol" pitchFamily="18" charset="2"/>
@@ -23559,18 +23501,10 @@
             <a:spLocks noGrp="1"/>
           </p:cNvSpPr>
           <p:nvPr>
-            <p:ph type="sldNum" sz="quarter" idx="4294967295"/>
+            <p:ph type="sldNum" sz="quarter" idx="12"/>
           </p:nvPr>
         </p:nvSpPr>
-        <p:spPr>
-          <a:xfrm>
-            <a:off x="6876256" y="116632"/>
-            <a:ext cx="2133600" cy="476250"/>
-          </a:xfrm>
-          <a:prstGeom prst="rect">
-            <a:avLst/>
-          </a:prstGeom>
-        </p:spPr>
+        <p:spPr/>
         <p:txBody>
           <a:bodyPr/>
           <a:lstStyle/>
@@ -27235,18 +27169,10 @@
             <a:spLocks noGrp="1"/>
           </p:cNvSpPr>
           <p:nvPr>
-            <p:ph type="sldNum" sz="quarter" idx="4294967295"/>
+            <p:ph type="sldNum" sz="quarter" idx="12"/>
           </p:nvPr>
         </p:nvSpPr>
-        <p:spPr>
-          <a:xfrm>
-            <a:off x="6876256" y="116632"/>
-            <a:ext cx="2133600" cy="476250"/>
-          </a:xfrm>
-          <a:prstGeom prst="rect">
-            <a:avLst/>
-          </a:prstGeom>
-        </p:spPr>
+        <p:spPr/>
         <p:txBody>
           <a:bodyPr/>
           <a:lstStyle/>
@@ -27702,9 +27628,7 @@
             <a:r>
               <a:rPr lang="en-US" sz="1600" dirty="0">
                 <a:solidFill>
-                  <a:schemeClr val="accent2">
-                    <a:lumMod val="75000"/>
-                  </a:schemeClr>
+                  <a:srgbClr val="002060"/>
                 </a:solidFill>
                 <a:latin typeface="Webdings" pitchFamily="18" charset="2"/>
                 <a:sym typeface="Symbol" pitchFamily="18" charset="2"/>
@@ -27914,9 +27838,7 @@
             <a:r>
               <a:rPr lang="en-US" sz="1600" dirty="0">
                 <a:solidFill>
-                  <a:schemeClr val="accent2">
-                    <a:lumMod val="75000"/>
-                  </a:schemeClr>
+                  <a:srgbClr val="002060"/>
                 </a:solidFill>
                 <a:latin typeface="Webdings" pitchFamily="18" charset="2"/>
                 <a:sym typeface="Symbol" pitchFamily="18" charset="2"/>
@@ -28138,18 +28060,10 @@
             <a:spLocks noGrp="1"/>
           </p:cNvSpPr>
           <p:nvPr>
-            <p:ph type="sldNum" sz="quarter" idx="4294967295"/>
+            <p:ph type="sldNum" sz="quarter" idx="12"/>
           </p:nvPr>
         </p:nvSpPr>
-        <p:spPr>
-          <a:xfrm>
-            <a:off x="6876256" y="116632"/>
-            <a:ext cx="2133600" cy="476250"/>
-          </a:xfrm>
-          <a:prstGeom prst="rect">
-            <a:avLst/>
-          </a:prstGeom>
-        </p:spPr>
+        <p:spPr/>
         <p:txBody>
           <a:bodyPr/>
           <a:lstStyle/>
@@ -28422,9 +28336,7 @@
             <a:r>
               <a:rPr lang="en-US" sz="1600" dirty="0">
                 <a:solidFill>
-                  <a:schemeClr val="accent2">
-                    <a:lumMod val="75000"/>
-                  </a:schemeClr>
+                  <a:srgbClr val="002060"/>
                 </a:solidFill>
                 <a:latin typeface="Webdings" pitchFamily="18" charset="2"/>
                 <a:sym typeface="Symbol" pitchFamily="18" charset="2"/>
@@ -29578,18 +29490,10 @@
             <a:spLocks noGrp="1"/>
           </p:cNvSpPr>
           <p:nvPr>
-            <p:ph type="sldNum" sz="quarter" idx="4294967295"/>
+            <p:ph type="sldNum" sz="quarter" idx="12"/>
           </p:nvPr>
         </p:nvSpPr>
-        <p:spPr>
-          <a:xfrm>
-            <a:off x="6876256" y="116632"/>
-            <a:ext cx="2133600" cy="476250"/>
-          </a:xfrm>
-          <a:prstGeom prst="rect">
-            <a:avLst/>
-          </a:prstGeom>
-        </p:spPr>
+        <p:spPr/>
         <p:txBody>
           <a:bodyPr/>
           <a:lstStyle/>
@@ -31003,9 +30907,7 @@
               <a:r>
                 <a:rPr lang="en-US" sz="1600" dirty="0">
                   <a:solidFill>
-                    <a:schemeClr val="accent2">
-                      <a:lumMod val="75000"/>
-                    </a:schemeClr>
+                    <a:srgbClr val="002060"/>
                   </a:solidFill>
                   <a:latin typeface="Webdings" pitchFamily="18" charset="2"/>
                   <a:sym typeface="Symbol" pitchFamily="18" charset="2"/>
@@ -32120,9 +32022,7 @@
               <a:r>
                 <a:rPr lang="en-US" sz="1600" dirty="0">
                   <a:solidFill>
-                    <a:schemeClr val="accent2">
-                      <a:lumMod val="75000"/>
-                    </a:schemeClr>
+                    <a:srgbClr val="002060"/>
                   </a:solidFill>
                   <a:latin typeface="Webdings" pitchFamily="18" charset="2"/>
                   <a:sym typeface="Symbol" pitchFamily="18" charset="2"/>
@@ -32396,9 +32296,7 @@
             <a:r>
               <a:rPr lang="en-US" sz="1600" dirty="0" smtClean="0">
                 <a:solidFill>
-                  <a:schemeClr val="accent2">
-                    <a:lumMod val="75000"/>
-                  </a:schemeClr>
+                  <a:srgbClr val="002060"/>
                 </a:solidFill>
                 <a:latin typeface="Webdings" pitchFamily="18" charset="2"/>
                 <a:sym typeface="Symbol" pitchFamily="18" charset="2"/>
@@ -32505,9 +32403,7 @@
             <a:r>
               <a:rPr lang="en-US" sz="1600" dirty="0" smtClean="0">
                 <a:solidFill>
-                  <a:schemeClr val="accent2">
-                    <a:lumMod val="75000"/>
-                  </a:schemeClr>
+                  <a:srgbClr val="002060"/>
                 </a:solidFill>
                 <a:latin typeface="Webdings" pitchFamily="18" charset="2"/>
                 <a:sym typeface="Symbol" pitchFamily="18" charset="2"/>
@@ -32779,18 +32675,10 @@
             <a:spLocks noGrp="1"/>
           </p:cNvSpPr>
           <p:nvPr>
-            <p:ph type="sldNum" sz="quarter" idx="4294967295"/>
+            <p:ph type="sldNum" sz="quarter" idx="12"/>
           </p:nvPr>
         </p:nvSpPr>
-        <p:spPr>
-          <a:xfrm>
-            <a:off x="6876256" y="116632"/>
-            <a:ext cx="2133600" cy="476250"/>
-          </a:xfrm>
-          <a:prstGeom prst="rect">
-            <a:avLst/>
-          </a:prstGeom>
-        </p:spPr>
+        <p:spPr/>
         <p:txBody>
           <a:bodyPr/>
           <a:lstStyle/>
